--- a/Poster.pptx
+++ b/Poster.pptx
@@ -321,7 +321,7 @@
             <a:fld id="{C59D76ED-0B13-8E48-95C1-D04E5E6B4F3C}" type="datetime1">
               <a:rPr lang="en-US" altLang="en-US"/>
               <a:pPr/>
-              <a:t>4/10/2025</a:t>
+              <a:t>4/12/2025</a:t>
             </a:fld>
             <a:endParaRPr lang="en-US" altLang="en-US"/>
           </a:p>
@@ -4497,6 +4497,36 @@
           <a:chExt cx="0" cy="0"/>
         </a:xfrm>
       </p:grpSpPr>
+      <p:pic>
+        <p:nvPicPr>
+          <p:cNvPr id="23" name="Picture 22">
+            <a:extLst>
+              <a:ext uri="{FF2B5EF4-FFF2-40B4-BE49-F238E27FC236}">
+                <a16:creationId xmlns:a16="http://schemas.microsoft.com/office/drawing/2014/main" id="{DA3E0989-2EF5-450D-F54A-9E1DCDDB6848}"/>
+              </a:ext>
+            </a:extLst>
+          </p:cNvPr>
+          <p:cNvPicPr>
+            <a:picLocks noChangeAspect="1"/>
+          </p:cNvPicPr>
+          <p:nvPr/>
+        </p:nvPicPr>
+        <p:blipFill>
+          <a:blip r:embed="rId4"/>
+          <a:stretch>
+            <a:fillRect/>
+          </a:stretch>
+        </p:blipFill>
+        <p:spPr>
+          <a:xfrm>
+            <a:off x="25175391" y="14640979"/>
+            <a:ext cx="4459877" cy="2508681"/>
+          </a:xfrm>
+          <a:prstGeom prst="rect">
+            <a:avLst/>
+          </a:prstGeom>
+        </p:spPr>
+      </p:pic>
       <p:sp>
         <p:nvSpPr>
           <p:cNvPr id="14339" name="Text Box 7">
@@ -4514,7 +4544,7 @@
         <p:spPr bwMode="auto">
           <a:xfrm>
             <a:off x="1710419" y="5150509"/>
-            <a:ext cx="9010650" cy="5883752"/>
+            <a:ext cx="9010650" cy="5090771"/>
           </a:xfrm>
           <a:prstGeom prst="rect">
             <a:avLst/>
@@ -4689,6 +4719,40 @@
                 <a:spcPct val="10000"/>
               </a:spcBef>
             </a:pPr>
+            <a:r>
+              <a:rPr lang="en-US" sz="2800" kern="100" dirty="0">
+                <a:effectLst/>
+                <a:latin typeface="Avenir Book"/>
+                <a:ea typeface="Calibri" panose="020F0502020204030204" pitchFamily="34" charset="0"/>
+                <a:cs typeface="Calibri" panose="020F0502020204030204" pitchFamily="34" charset="0"/>
+              </a:rPr>
+              <a:t>Analyzing </a:t>
+            </a:r>
+            <a:r>
+              <a:rPr lang="en-US" sz="2800" i="1" kern="100" dirty="0">
+                <a:effectLst/>
+                <a:latin typeface="Avenir Book"/>
+                <a:ea typeface="Calibri" panose="020F0502020204030204" pitchFamily="34" charset="0"/>
+                <a:cs typeface="Calibri" panose="020F0502020204030204" pitchFamily="34" charset="0"/>
+              </a:rPr>
+              <a:t>League of Legends </a:t>
+            </a:r>
+            <a:r>
+              <a:rPr lang="en-US" sz="2800" kern="100" dirty="0">
+                <a:effectLst/>
+                <a:latin typeface="Avenir Book"/>
+                <a:ea typeface="Calibri" panose="020F0502020204030204" pitchFamily="34" charset="0"/>
+                <a:cs typeface="Calibri" panose="020F0502020204030204" pitchFamily="34" charset="0"/>
+              </a:rPr>
+              <a:t>games in real time is challenging even for experienced players. This project aims to create a consistent and data-driven method to predict the outcome of matches. This desktop application leverages machine learning algorithms to predict the likely winner based on real-time game data. By automating this analysis, the tool provides valuable insights and helps players make better in-game decisions.</a:t>
+            </a:r>
+          </a:p>
+          <a:p>
+            <a:pPr eaLnBrk="1" hangingPunct="1">
+              <a:spcBef>
+                <a:spcPct val="10000"/>
+              </a:spcBef>
+            </a:pPr>
             <a:endParaRPr lang="en-US" altLang="ja-JP" sz="4114" dirty="0">
               <a:latin typeface="Avenir Book" panose="02000503020000020003" pitchFamily="2" charset="0"/>
             </a:endParaRPr>
@@ -4711,8 +4775,8 @@
         </p:nvSpPr>
         <p:spPr bwMode="auto">
           <a:xfrm>
-            <a:off x="1710419" y="11725835"/>
-            <a:ext cx="9010650" cy="20353806"/>
+            <a:off x="1710419" y="10732703"/>
+            <a:ext cx="9010650" cy="21346938"/>
           </a:xfrm>
           <a:prstGeom prst="rect">
             <a:avLst/>
@@ -4882,61 +4946,282 @@
             </a:r>
           </a:p>
           <a:p>
-            <a:pPr eaLnBrk="1" hangingPunct="1">
+            <a:pPr rtl="0">
               <a:spcBef>
-                <a:spcPct val="10000"/>
+                <a:spcPts val="1200"/>
               </a:spcBef>
+              <a:spcAft>
+                <a:spcPts val="1200"/>
+              </a:spcAft>
+              <a:buNone/>
             </a:pPr>
-            <a:endParaRPr lang="en-US" altLang="en-US" sz="4114" dirty="0">
+            <a:endParaRPr lang="en-US" sz="2800" b="0" i="0" u="none" strike="noStrike" dirty="0">
+              <a:solidFill>
+                <a:srgbClr val="000000"/>
+              </a:solidFill>
+              <a:effectLst/>
+              <a:latin typeface="Avenir Book" panose="02000503020000020003"/>
+            </a:endParaRPr>
+          </a:p>
+          <a:p>
+            <a:pPr rtl="0">
+              <a:spcBef>
+                <a:spcPts val="1200"/>
+              </a:spcBef>
+              <a:spcAft>
+                <a:spcPts val="1200"/>
+              </a:spcAft>
+              <a:buNone/>
+            </a:pPr>
+            <a:endParaRPr lang="en-US" sz="2800" dirty="0">
+              <a:solidFill>
+                <a:srgbClr val="000000"/>
+              </a:solidFill>
+              <a:latin typeface="Avenir Book" panose="02000503020000020003"/>
+            </a:endParaRPr>
+          </a:p>
+          <a:p>
+            <a:pPr rtl="0">
+              <a:spcBef>
+                <a:spcPts val="1200"/>
+              </a:spcBef>
+              <a:spcAft>
+                <a:spcPts val="1200"/>
+              </a:spcAft>
+              <a:buNone/>
+            </a:pPr>
+            <a:endParaRPr lang="en-US" sz="2800" b="0" i="0" u="none" strike="noStrike" dirty="0">
+              <a:solidFill>
+                <a:srgbClr val="000000"/>
+              </a:solidFill>
+              <a:effectLst/>
+              <a:latin typeface="Avenir Book" panose="02000503020000020003"/>
+            </a:endParaRPr>
+          </a:p>
+          <a:p>
+            <a:pPr rtl="0">
+              <a:spcBef>
+                <a:spcPts val="1200"/>
+              </a:spcBef>
+              <a:spcAft>
+                <a:spcPts val="1200"/>
+              </a:spcAft>
+              <a:buNone/>
+            </a:pPr>
+            <a:endParaRPr lang="en-US" sz="2800" dirty="0">
+              <a:solidFill>
+                <a:srgbClr val="000000"/>
+              </a:solidFill>
+              <a:latin typeface="Avenir Book" panose="02000503020000020003"/>
+            </a:endParaRPr>
+          </a:p>
+          <a:p>
+            <a:pPr rtl="0">
+              <a:spcBef>
+                <a:spcPts val="1200"/>
+              </a:spcBef>
+              <a:spcAft>
+                <a:spcPts val="1200"/>
+              </a:spcAft>
+              <a:buNone/>
+            </a:pPr>
+            <a:endParaRPr lang="en-US" sz="2800" dirty="0">
+              <a:solidFill>
+                <a:srgbClr val="000000"/>
+              </a:solidFill>
+              <a:latin typeface="Avenir Book" panose="02000503020000020003"/>
+            </a:endParaRPr>
+          </a:p>
+          <a:p>
+            <a:pPr rtl="0">
+              <a:spcBef>
+                <a:spcPts val="1200"/>
+              </a:spcBef>
+              <a:spcAft>
+                <a:spcPts val="1200"/>
+              </a:spcAft>
+              <a:buNone/>
+            </a:pPr>
+            <a:r>
+              <a:rPr lang="en-US" sz="2800" b="0" i="0" u="none" strike="noStrike" dirty="0">
+                <a:solidFill>
+                  <a:srgbClr val="000000"/>
+                </a:solidFill>
+                <a:effectLst/>
+                <a:latin typeface="Avenir Book" panose="02000503020000020003"/>
+              </a:rPr>
+              <a:t>characters. According to </a:t>
+            </a:r>
+            <a:r>
+              <a:rPr lang="en-US" sz="2800" b="0" i="1" u="none" strike="noStrike" dirty="0">
+                <a:solidFill>
+                  <a:srgbClr val="000000"/>
+                </a:solidFill>
+                <a:effectLst/>
+                <a:latin typeface="Avenir Book" panose="02000503020000020003"/>
+              </a:rPr>
+              <a:t>Priori Data</a:t>
+            </a:r>
+            <a:r>
+              <a:rPr lang="en-US" sz="2800" b="0" i="0" u="none" strike="noStrike" dirty="0">
+                <a:solidFill>
+                  <a:srgbClr val="000000"/>
+                </a:solidFill>
+                <a:effectLst/>
+                <a:latin typeface="Avenir Book" panose="02000503020000020003"/>
+              </a:rPr>
+              <a:t> in the last 30 days, over 100 million players globally have played </a:t>
+            </a:r>
+            <a:r>
+              <a:rPr lang="en-US" sz="2800" b="0" i="1" u="none" strike="noStrike" dirty="0">
+                <a:solidFill>
+                  <a:srgbClr val="000000"/>
+                </a:solidFill>
+                <a:effectLst/>
+                <a:latin typeface="Avenir Book" panose="02000503020000020003"/>
+              </a:rPr>
+              <a:t>League of Legends</a:t>
+            </a:r>
+            <a:r>
+              <a:rPr lang="en-US" sz="2800" b="0" i="0" u="none" strike="noStrike" dirty="0">
+                <a:solidFill>
+                  <a:srgbClr val="000000"/>
+                </a:solidFill>
+                <a:effectLst/>
+                <a:latin typeface="Avenir Book" panose="02000503020000020003"/>
+              </a:rPr>
+              <a:t>. There are over 170 characters (</a:t>
+            </a:r>
+            <a:r>
+              <a:rPr lang="en-US" sz="2800" b="0" i="1" u="none" strike="noStrike" dirty="0">
+                <a:solidFill>
+                  <a:srgbClr val="000000"/>
+                </a:solidFill>
+                <a:effectLst/>
+                <a:latin typeface="Avenir Book" panose="02000503020000020003"/>
+              </a:rPr>
+              <a:t>champions)</a:t>
+            </a:r>
+            <a:r>
+              <a:rPr lang="en-US" sz="2800" b="0" i="0" u="none" strike="noStrike" dirty="0">
+                <a:solidFill>
+                  <a:srgbClr val="000000"/>
+                </a:solidFill>
+                <a:effectLst/>
+                <a:latin typeface="Avenir Book" panose="02000503020000020003"/>
+              </a:rPr>
+              <a:t> a player can choose to play and eight different objectives that can be captured. No two games are the same.</a:t>
+            </a:r>
+            <a:r>
+              <a:rPr lang="en-US" sz="2800" dirty="0">
+                <a:latin typeface="Avenir Book" panose="02000503020000020003"/>
+              </a:rPr>
+              <a:t> </a:t>
+            </a:r>
+            <a:r>
+              <a:rPr lang="en-US" sz="2800" b="0" i="0" u="none" strike="noStrike" dirty="0">
+                <a:solidFill>
+                  <a:srgbClr val="000000"/>
+                </a:solidFill>
+                <a:effectLst/>
+                <a:latin typeface="Avenir Book" panose="02000503020000020003"/>
+              </a:rPr>
+              <a:t>I have played League of Legends for many years and have always wondered while playing, “Are we winning or losing right now?”. This question motivated me to work on this project. I was curious if my years of experience playing would align with what the machine was telling me.</a:t>
+            </a:r>
+            <a:br>
+              <a:rPr lang="en-US" sz="2800" b="0" i="0" u="none" strike="noStrike" dirty="0">
+                <a:solidFill>
+                  <a:srgbClr val="000000"/>
+                </a:solidFill>
+                <a:effectLst/>
+                <a:latin typeface="Avenir Book" panose="02000503020000020003"/>
+              </a:rPr>
+            </a:br>
+            <a:br>
+              <a:rPr lang="en-US" sz="2800" b="0" i="0" u="none" strike="noStrike" dirty="0">
+                <a:solidFill>
+                  <a:srgbClr val="000000"/>
+                </a:solidFill>
+                <a:effectLst/>
+                <a:latin typeface="Avenir Book" panose="02000503020000020003"/>
+              </a:rPr>
+            </a:br>
+            <a:r>
+              <a:rPr lang="en-US" sz="2800" b="0" i="0" u="none" strike="noStrike" dirty="0">
+                <a:solidFill>
+                  <a:srgbClr val="000000"/>
+                </a:solidFill>
+                <a:effectLst/>
+                <a:latin typeface="Avenir Book" panose="02000503020000020003"/>
+              </a:rPr>
+              <a:t>This project aims to create a machine learning-based system that can predict the winning team in real time based on game data. This is achieved by utilizing historical match data, training a machine learning model, and then using that trained model to predict the outcome. For this project, I attempted several common machine learning algorithms including k-nearest neighbors (</a:t>
+            </a:r>
+            <a:r>
+              <a:rPr lang="en-US" sz="2800" b="0" i="0" u="none" strike="noStrike" dirty="0" err="1">
+                <a:solidFill>
+                  <a:srgbClr val="000000"/>
+                </a:solidFill>
+                <a:effectLst/>
+                <a:latin typeface="Avenir Book" panose="02000503020000020003"/>
+              </a:rPr>
+              <a:t>kNN</a:t>
+            </a:r>
+            <a:r>
+              <a:rPr lang="en-US" sz="2800" b="0" i="0" u="none" strike="noStrike" dirty="0">
+                <a:solidFill>
+                  <a:srgbClr val="000000"/>
+                </a:solidFill>
+                <a:effectLst/>
+                <a:latin typeface="Avenir Book" panose="02000503020000020003"/>
+              </a:rPr>
+              <a:t>), Decision tree, and Random Forest. I found that random forest provided the best results. </a:t>
+            </a:r>
+            <a:br>
+              <a:rPr lang="en-US" sz="2800" b="0" i="0" u="none" strike="noStrike" dirty="0">
+                <a:solidFill>
+                  <a:srgbClr val="000000"/>
+                </a:solidFill>
+                <a:effectLst/>
+                <a:latin typeface="Avenir Book" panose="02000503020000020003"/>
+              </a:rPr>
+            </a:br>
+            <a:br>
+              <a:rPr lang="en-US" sz="2800" b="0" i="0" u="none" strike="noStrike" dirty="0">
+                <a:solidFill>
+                  <a:srgbClr val="000000"/>
+                </a:solidFill>
+                <a:effectLst/>
+                <a:latin typeface="Avenir Book" panose="02000503020000020003"/>
+              </a:rPr>
+            </a:br>
+            <a:r>
+              <a:rPr lang="en-US" sz="2800" b="0" i="0" u="none" strike="noStrike" dirty="0">
+                <a:solidFill>
+                  <a:srgbClr val="000000"/>
+                </a:solidFill>
+                <a:effectLst/>
+                <a:latin typeface="Avenir Book" panose="02000503020000020003"/>
+              </a:rPr>
+              <a:t>Random Forest classifier is an ensemble algorithm meaning they combine multiple “weaker” models to create a stronger model. In Random Forest’s case, it uses multiple decision trees to classify the data, hence the word “forest”. In addition, each tree is taken from a random subset of the data. Random Forest is ideal for reducing overfitting and bias.</a:t>
+            </a:r>
+            <a:r>
+              <a:rPr lang="en-US" sz="2800" b="0" i="0" u="none" strike="noStrike" dirty="0">
+                <a:solidFill>
+                  <a:srgbClr val="000000"/>
+                </a:solidFill>
+                <a:effectLst/>
+                <a:latin typeface="Arial" panose="020B0604020202020204" pitchFamily="34" charset="0"/>
+              </a:rPr>
+              <a:t> </a:t>
+            </a:r>
+          </a:p>
+          <a:p>
+            <a:pPr>
+              <a:buNone/>
+            </a:pPr>
+            <a:endParaRPr lang="en-US" altLang="en-US" sz="2800" dirty="0">
               <a:latin typeface="Avenir Book" panose="02000503020000020003" pitchFamily="2" charset="0"/>
             </a:endParaRPr>
-          </a:p>
-        </p:txBody>
-      </p:sp>
-      <p:sp>
-        <p:nvSpPr>
-          <p:cNvPr id="8" name="Rectangle 7">
-            <a:extLst>
-              <a:ext uri="{FF2B5EF4-FFF2-40B4-BE49-F238E27FC236}">
-                <a16:creationId xmlns:a16="http://schemas.microsoft.com/office/drawing/2014/main" id="{F49BFF5C-8C43-AEF3-A5C7-A306D6796564}"/>
-              </a:ext>
-            </a:extLst>
-          </p:cNvPr>
-          <p:cNvSpPr/>
-          <p:nvPr/>
-        </p:nvSpPr>
-        <p:spPr>
-          <a:xfrm>
-            <a:off x="0" y="1"/>
-            <a:ext cx="43891200" cy="4659085"/>
-          </a:xfrm>
-          <a:prstGeom prst="rect">
-            <a:avLst/>
-          </a:prstGeom>
-          <a:solidFill>
-            <a:srgbClr val="004A99"/>
-          </a:solidFill>
-        </p:spPr>
-        <p:style>
-          <a:lnRef idx="1">
-            <a:schemeClr val="accent1"/>
-          </a:lnRef>
-          <a:fillRef idx="3">
-            <a:schemeClr val="accent1"/>
-          </a:fillRef>
-          <a:effectRef idx="2">
-            <a:schemeClr val="accent1"/>
-          </a:effectRef>
-          <a:fontRef idx="minor">
-            <a:schemeClr val="lt1"/>
-          </a:fontRef>
-        </p:style>
-        <p:txBody>
-          <a:bodyPr rtlCol="0" anchor="ctr"/>
-          <a:lstStyle/>
-          <a:p>
-            <a:pPr algn="ctr"/>
-            <a:endParaRPr lang="en-US" dirty="0"/>
           </a:p>
         </p:txBody>
       </p:sp>
@@ -5148,6 +5433,53 @@
       </p:sp>
       <p:sp>
         <p:nvSpPr>
+          <p:cNvPr id="8" name="Rectangle 7">
+            <a:extLst>
+              <a:ext uri="{FF2B5EF4-FFF2-40B4-BE49-F238E27FC236}">
+                <a16:creationId xmlns:a16="http://schemas.microsoft.com/office/drawing/2014/main" id="{F49BFF5C-8C43-AEF3-A5C7-A306D6796564}"/>
+              </a:ext>
+            </a:extLst>
+          </p:cNvPr>
+          <p:cNvSpPr/>
+          <p:nvPr/>
+        </p:nvSpPr>
+        <p:spPr>
+          <a:xfrm>
+            <a:off x="0" y="1"/>
+            <a:ext cx="43891200" cy="4659085"/>
+          </a:xfrm>
+          <a:prstGeom prst="rect">
+            <a:avLst/>
+          </a:prstGeom>
+          <a:solidFill>
+            <a:srgbClr val="004A99"/>
+          </a:solidFill>
+        </p:spPr>
+        <p:style>
+          <a:lnRef idx="1">
+            <a:schemeClr val="accent1"/>
+          </a:lnRef>
+          <a:fillRef idx="3">
+            <a:schemeClr val="accent1"/>
+          </a:fillRef>
+          <a:effectRef idx="2">
+            <a:schemeClr val="accent1"/>
+          </a:effectRef>
+          <a:fontRef idx="minor">
+            <a:schemeClr val="lt1"/>
+          </a:fontRef>
+        </p:style>
+        <p:txBody>
+          <a:bodyPr rtlCol="0" anchor="ctr"/>
+          <a:lstStyle/>
+          <a:p>
+            <a:pPr algn="ctr"/>
+            <a:endParaRPr lang="en-US" dirty="0"/>
+          </a:p>
+        </p:txBody>
+      </p:sp>
+      <p:sp>
+        <p:nvSpPr>
           <p:cNvPr id="14342" name="Text Box 13">
             <a:extLst>
               <a:ext uri="{FF2B5EF4-FFF2-40B4-BE49-F238E27FC236}">
@@ -5507,7 +5839,7 @@
                 </a:solidFill>
                 <a:latin typeface="Avenir Medium" panose="02000503020000020003" pitchFamily="2" charset="0"/>
               </a:rPr>
-              <a:t>Your Name, Your Advisor’s Name, etc.</a:t>
+              <a:t>Benjamin Groseclose, Ira Woodring </a:t>
             </a:r>
           </a:p>
         </p:txBody>
@@ -5540,14 +5872,14 @@
           </a:ln>
           <a:extLst>
             <a:ext uri="{909E8E84-426E-40dd-AFC4-6F175D3DCCD1}">
-              <a14:hiddenFill xmlns="" xmlns:a14="http://schemas.microsoft.com/office/drawing/2010/main">
+              <a14:hiddenFill xmlns:a14="http://schemas.microsoft.com/office/drawing/2010/main" xmlns="">
                 <a:solidFill>
                   <a:srgbClr val="FFFFFF"/>
                 </a:solidFill>
               </a14:hiddenFill>
             </a:ext>
             <a:ext uri="{91240B29-F687-4f45-9708-019B960494DF}">
-              <a14:hiddenLine xmlns="" xmlns:a14="http://schemas.microsoft.com/office/drawing/2010/main" w="9525">
+              <a14:hiddenLine xmlns:a14="http://schemas.microsoft.com/office/drawing/2010/main" xmlns="" w="9525">
                 <a:solidFill>
                   <a:srgbClr val="000000"/>
                 </a:solidFill>
@@ -5584,7 +5916,7 @@
                 <a:ea typeface="ＭＳ Ｐゴシック" charset="0"/>
                 <a:cs typeface="Avenir Heavy"/>
               </a:rPr>
-              <a:t>Title Goes Here</a:t>
+              <a:t>Victory Curve: Realtime Analysis of League of Legends</a:t>
             </a:r>
           </a:p>
         </p:txBody>
@@ -5786,7 +6118,7 @@
           <p:nvPr/>
         </p:nvPicPr>
         <p:blipFill>
-          <a:blip r:embed="rId4"/>
+          <a:blip r:embed="rId5"/>
           <a:srcRect/>
           <a:stretch/>
         </p:blipFill>
@@ -5985,6 +6317,562 @@
             </a:pPr>
             <a:endParaRPr lang="en-US" altLang="en-US" sz="2400" dirty="0">
               <a:latin typeface="Avenir Book" panose="02000503020000020003" pitchFamily="2" charset="0"/>
+            </a:endParaRPr>
+          </a:p>
+        </p:txBody>
+      </p:sp>
+      <p:pic>
+        <p:nvPicPr>
+          <p:cNvPr id="13" name="Picture 3">
+            <a:extLst>
+              <a:ext uri="{FF2B5EF4-FFF2-40B4-BE49-F238E27FC236}">
+                <a16:creationId xmlns:a16="http://schemas.microsoft.com/office/drawing/2014/main" id="{B4BAAD37-2327-AE36-CF4F-8B5E242A3729}"/>
+              </a:ext>
+            </a:extLst>
+          </p:cNvPr>
+          <p:cNvPicPr>
+            <a:picLocks noChangeAspect="1" noChangeArrowheads="1"/>
+          </p:cNvPicPr>
+          <p:nvPr/>
+        </p:nvPicPr>
+        <p:blipFill>
+          <a:blip r:embed="rId6">
+            <a:extLst>
+              <a:ext uri="{28A0092B-C50C-407E-A947-70E740481C1C}">
+                <a14:useLocalDpi xmlns:a14="http://schemas.microsoft.com/office/drawing/2010/main" val="0"/>
+              </a:ext>
+            </a:extLst>
+          </a:blip>
+          <a:srcRect/>
+          <a:stretch>
+            <a:fillRect/>
+          </a:stretch>
+        </p:blipFill>
+        <p:spPr bwMode="auto">
+          <a:xfrm>
+            <a:off x="3751227" y="28785720"/>
+            <a:ext cx="4929033" cy="3293921"/>
+          </a:xfrm>
+          <a:prstGeom prst="rect">
+            <a:avLst/>
+          </a:prstGeom>
+          <a:noFill/>
+          <a:extLst>
+            <a:ext uri="{909E8E84-426E-40DD-AFC4-6F175D3DCCD1}">
+              <a14:hiddenFill xmlns:a14="http://schemas.microsoft.com/office/drawing/2010/main">
+                <a:solidFill>
+                  <a:srgbClr val="FFFFFF"/>
+                </a:solidFill>
+              </a14:hiddenFill>
+            </a:ext>
+          </a:extLst>
+        </p:spPr>
+      </p:pic>
+      <p:sp>
+        <p:nvSpPr>
+          <p:cNvPr id="24" name="Rectangle 7">
+            <a:extLst>
+              <a:ext uri="{FF2B5EF4-FFF2-40B4-BE49-F238E27FC236}">
+                <a16:creationId xmlns:a16="http://schemas.microsoft.com/office/drawing/2014/main" id="{D8D05AF7-E926-ED27-0161-4E4EBBFFB950}"/>
+              </a:ext>
+            </a:extLst>
+          </p:cNvPr>
+          <p:cNvSpPr>
+            <a:spLocks noChangeArrowheads="1"/>
+          </p:cNvSpPr>
+          <p:nvPr/>
+        </p:nvSpPr>
+        <p:spPr bwMode="auto">
+          <a:xfrm>
+            <a:off x="0" y="0"/>
+            <a:ext cx="43891200" cy="457200"/>
+          </a:xfrm>
+          <a:prstGeom prst="rect">
+            <a:avLst/>
+          </a:prstGeom>
+          <a:noFill/>
+          <a:ln>
+            <a:noFill/>
+          </a:ln>
+          <a:effectLst/>
+          <a:extLst>
+            <a:ext uri="{909E8E84-426E-40DD-AFC4-6F175D3DCCD1}">
+              <a14:hiddenFill xmlns:a14="http://schemas.microsoft.com/office/drawing/2010/main">
+                <a:solidFill>
+                  <a:schemeClr val="accent1"/>
+                </a:solidFill>
+              </a14:hiddenFill>
+            </a:ext>
+            <a:ext uri="{91240B29-F687-4F45-9708-019B960494DF}">
+              <a14:hiddenLine xmlns:a14="http://schemas.microsoft.com/office/drawing/2010/main" w="9525">
+                <a:solidFill>
+                  <a:schemeClr val="tx1"/>
+                </a:solidFill>
+                <a:miter lim="800000"/>
+                <a:headEnd/>
+                <a:tailEnd/>
+              </a14:hiddenLine>
+            </a:ext>
+            <a:ext uri="{AF507438-7753-43E0-B8FC-AC1667EBCBE1}">
+              <a14:hiddenEffects xmlns:a14="http://schemas.microsoft.com/office/drawing/2010/main">
+                <a:effectLst>
+                  <a:outerShdw dist="35921" dir="2700000" algn="ctr" rotWithShape="0">
+                    <a:schemeClr val="bg2"/>
+                  </a:outerShdw>
+                </a:effectLst>
+              </a14:hiddenEffects>
+            </a:ext>
+          </a:extLst>
+        </p:spPr>
+        <p:txBody>
+          <a:bodyPr vert="horz" wrap="none" lIns="91440" tIns="45720" rIns="91440" bIns="45720" numCol="1" anchor="ctr" anchorCtr="0" compatLnSpc="1">
+            <a:prstTxWarp prst="textNoShape">
+              <a:avLst/>
+            </a:prstTxWarp>
+            <a:spAutoFit/>
+          </a:bodyPr>
+          <a:lstStyle/>
+          <a:p>
+            <a:endParaRPr lang="en-US"/>
+          </a:p>
+        </p:txBody>
+      </p:sp>
+      <p:sp>
+        <p:nvSpPr>
+          <p:cNvPr id="36" name="TextBox 35">
+            <a:extLst>
+              <a:ext uri="{FF2B5EF4-FFF2-40B4-BE49-F238E27FC236}">
+                <a16:creationId xmlns:a16="http://schemas.microsoft.com/office/drawing/2014/main" id="{707A5D52-7635-6A43-4992-6432CB3289B4}"/>
+              </a:ext>
+            </a:extLst>
+          </p:cNvPr>
+          <p:cNvSpPr txBox="1"/>
+          <p:nvPr/>
+        </p:nvSpPr>
+        <p:spPr>
+          <a:xfrm>
+            <a:off x="2392680" y="11693932"/>
+            <a:ext cx="5132432" cy="3970318"/>
+          </a:xfrm>
+          <a:prstGeom prst="rect">
+            <a:avLst/>
+          </a:prstGeom>
+          <a:noFill/>
+        </p:spPr>
+        <p:txBody>
+          <a:bodyPr wrap="square" rtlCol="0">
+            <a:spAutoFit/>
+          </a:bodyPr>
+          <a:lstStyle/>
+          <a:p>
+            <a:r>
+              <a:rPr lang="en-US" sz="2800" b="0" i="1" u="none" strike="noStrike" dirty="0">
+                <a:solidFill>
+                  <a:srgbClr val="000000"/>
+                </a:solidFill>
+                <a:effectLst/>
+                <a:latin typeface="Avenir Book" panose="02000503020000020003"/>
+              </a:rPr>
+              <a:t>League of Legends</a:t>
+            </a:r>
+            <a:r>
+              <a:rPr lang="en-US" sz="2800" b="0" i="0" u="none" strike="noStrike" dirty="0">
+                <a:solidFill>
+                  <a:srgbClr val="000000"/>
+                </a:solidFill>
+                <a:effectLst/>
+                <a:latin typeface="Avenir Book" panose="02000503020000020003"/>
+              </a:rPr>
+              <a:t> is a five vs five strategic online video game, where players take control of a specific character. The ultimate goal is to destroy the enemy team’s base, which is achieved by increasing your character's strength, via capturing various objectives or defeating the enemy team’s</a:t>
+            </a:r>
+            <a:endParaRPr lang="en-US" sz="2800" dirty="0"/>
+          </a:p>
+        </p:txBody>
+      </p:sp>
+      <p:pic>
+        <p:nvPicPr>
+          <p:cNvPr id="38" name="Picture 37">
+            <a:extLst>
+              <a:ext uri="{FF2B5EF4-FFF2-40B4-BE49-F238E27FC236}">
+                <a16:creationId xmlns:a16="http://schemas.microsoft.com/office/drawing/2014/main" id="{C2593BB0-4DF9-40A4-F70F-72F6DCC7A7D7}"/>
+              </a:ext>
+            </a:extLst>
+          </p:cNvPr>
+          <p:cNvPicPr>
+            <a:picLocks noChangeAspect="1"/>
+          </p:cNvPicPr>
+          <p:nvPr/>
+        </p:nvPicPr>
+        <p:blipFill>
+          <a:blip r:embed="rId4"/>
+          <a:stretch>
+            <a:fillRect/>
+          </a:stretch>
+        </p:blipFill>
+        <p:spPr>
+          <a:xfrm>
+            <a:off x="6820372" y="13224394"/>
+            <a:ext cx="3854233" cy="2168006"/>
+          </a:xfrm>
+          <a:prstGeom prst="rect">
+            <a:avLst/>
+          </a:prstGeom>
+        </p:spPr>
+      </p:pic>
+      <p:graphicFrame>
+        <p:nvGraphicFramePr>
+          <p:cNvPr id="39" name="Object 38">
+            <a:extLst>
+              <a:ext uri="{FF2B5EF4-FFF2-40B4-BE49-F238E27FC236}">
+                <a16:creationId xmlns:a16="http://schemas.microsoft.com/office/drawing/2014/main" id="{05539386-97D0-00C5-EC45-330767384438}"/>
+              </a:ext>
+            </a:extLst>
+          </p:cNvPr>
+          <p:cNvGraphicFramePr>
+            <a:graphicFrameLocks noChangeAspect="1"/>
+          </p:cNvGraphicFramePr>
+          <p:nvPr>
+            <p:extLst>
+              <p:ext uri="{D42A27DB-BD31-4B8C-83A1-F6EECF244321}">
+                <p14:modId xmlns:p14="http://schemas.microsoft.com/office/powerpoint/2010/main" val="2238931208"/>
+              </p:ext>
+            </p:extLst>
+          </p:nvPr>
+        </p:nvGraphicFramePr>
+        <p:xfrm>
+          <a:off x="46423263" y="52260500"/>
+          <a:ext cx="7399337" cy="10066338"/>
+        </p:xfrm>
+        <a:graphic>
+          <a:graphicData uri="http://schemas.openxmlformats.org/presentationml/2006/ole">
+            <mc:AlternateContent xmlns:mc="http://schemas.openxmlformats.org/markup-compatibility/2006">
+              <mc:Choice xmlns:v="urn:schemas-microsoft-com:vml" Requires="v">
+                <p:oleObj name="Document" r:id="rId7" imgW="7399031" imgH="10066182" progId="Word.Document.12">
+                  <p:embed/>
+                </p:oleObj>
+              </mc:Choice>
+              <mc:Fallback>
+                <p:oleObj name="Document" r:id="rId7" imgW="7399031" imgH="10066182" progId="Word.Document.12">
+                  <p:embed/>
+                  <p:pic>
+                    <p:nvPicPr>
+                      <p:cNvPr id="0" name=""/>
+                      <p:cNvPicPr/>
+                      <p:nvPr/>
+                    </p:nvPicPr>
+                    <p:blipFill>
+                      <a:blip r:embed="rId8"/>
+                      <a:stretch>
+                        <a:fillRect/>
+                      </a:stretch>
+                    </p:blipFill>
+                    <p:spPr>
+                      <a:xfrm>
+                        <a:off x="46423263" y="52260500"/>
+                        <a:ext cx="7399337" cy="10066338"/>
+                      </a:xfrm>
+                      <a:prstGeom prst="rect">
+                        <a:avLst/>
+                      </a:prstGeom>
+                    </p:spPr>
+                  </p:pic>
+                </p:oleObj>
+              </mc:Fallback>
+            </mc:AlternateContent>
+          </a:graphicData>
+        </a:graphic>
+      </p:graphicFrame>
+      <p:pic>
+        <p:nvPicPr>
+          <p:cNvPr id="50" name="Picture 49">
+            <a:extLst>
+              <a:ext uri="{FF2B5EF4-FFF2-40B4-BE49-F238E27FC236}">
+                <a16:creationId xmlns:a16="http://schemas.microsoft.com/office/drawing/2014/main" id="{53B89510-DDCA-C608-0EDD-61C65C7009F0}"/>
+              </a:ext>
+            </a:extLst>
+          </p:cNvPr>
+          <p:cNvPicPr>
+            <a:picLocks noChangeAspect="1"/>
+          </p:cNvPicPr>
+          <p:nvPr/>
+        </p:nvPicPr>
+        <p:blipFill>
+          <a:blip r:embed="rId9"/>
+          <a:stretch>
+            <a:fillRect/>
+          </a:stretch>
+        </p:blipFill>
+        <p:spPr>
+          <a:xfrm>
+            <a:off x="12263115" y="6245959"/>
+            <a:ext cx="9149086" cy="5457999"/>
+          </a:xfrm>
+          <a:prstGeom prst="rect">
+            <a:avLst/>
+          </a:prstGeom>
+        </p:spPr>
+      </p:pic>
+      <p:pic>
+        <p:nvPicPr>
+          <p:cNvPr id="52" name="Picture 51">
+            <a:extLst>
+              <a:ext uri="{FF2B5EF4-FFF2-40B4-BE49-F238E27FC236}">
+                <a16:creationId xmlns:a16="http://schemas.microsoft.com/office/drawing/2014/main" id="{CDF8C6A3-0D2B-5D2D-6BE0-5AFEACC2CE7C}"/>
+              </a:ext>
+            </a:extLst>
+          </p:cNvPr>
+          <p:cNvPicPr>
+            <a:picLocks noChangeAspect="1"/>
+          </p:cNvPicPr>
+          <p:nvPr/>
+        </p:nvPicPr>
+        <p:blipFill>
+          <a:blip r:embed="rId10"/>
+          <a:stretch>
+            <a:fillRect/>
+          </a:stretch>
+        </p:blipFill>
+        <p:spPr>
+          <a:xfrm>
+            <a:off x="17638956" y="15773378"/>
+            <a:ext cx="13982700" cy="4286250"/>
+          </a:xfrm>
+          <a:prstGeom prst="rect">
+            <a:avLst/>
+          </a:prstGeom>
+        </p:spPr>
+      </p:pic>
+      <p:sp>
+        <p:nvSpPr>
+          <p:cNvPr id="53" name="TextBox 52">
+            <a:extLst>
+              <a:ext uri="{FF2B5EF4-FFF2-40B4-BE49-F238E27FC236}">
+                <a16:creationId xmlns:a16="http://schemas.microsoft.com/office/drawing/2014/main" id="{7C5FF84D-A3B7-1777-B9C6-BD9BF69CD977}"/>
+              </a:ext>
+            </a:extLst>
+          </p:cNvPr>
+          <p:cNvSpPr txBox="1"/>
+          <p:nvPr/>
+        </p:nvSpPr>
+        <p:spPr>
+          <a:xfrm>
+            <a:off x="21412201" y="6518031"/>
+            <a:ext cx="10048979" cy="4955203"/>
+          </a:xfrm>
+          <a:prstGeom prst="rect">
+            <a:avLst/>
+          </a:prstGeom>
+          <a:noFill/>
+        </p:spPr>
+        <p:txBody>
+          <a:bodyPr wrap="square" rtlCol="0">
+            <a:spAutoFit/>
+          </a:bodyPr>
+          <a:lstStyle/>
+          <a:p>
+            <a:r>
+              <a:rPr lang="en-US" b="1" dirty="0">
+                <a:latin typeface="Avenir Heavy" panose="02000503020000020003"/>
+              </a:rPr>
+              <a:t>Data</a:t>
+            </a:r>
+          </a:p>
+          <a:p>
+            <a:endParaRPr lang="en-US" dirty="0"/>
+          </a:p>
+          <a:p>
+            <a:r>
+              <a:rPr lang="en-US" sz="2800" dirty="0">
+                <a:latin typeface="Avenir Book" panose="02000503020000020003"/>
+              </a:rPr>
+              <a:t>In any machine learning project data is key. You need the correct features and enough to build a strong model. League of Legends has several key data points I wanted to track. Luckily League of Legends provides an API that allows you to fetch match details. Initially I analyzed only highly rated games, from Master+ tiers. Belief was this would provide me with the “best” data. Later I included other tiers of play to balance the model. I ultimately fetch around </a:t>
+            </a:r>
+            <a:r>
+              <a:rPr lang="en-US" sz="2800" b="1" dirty="0">
+                <a:latin typeface="Avenir Book" panose="02000503020000020003"/>
+              </a:rPr>
+              <a:t>35k matches</a:t>
+            </a:r>
+            <a:r>
+              <a:rPr lang="en-US" sz="2800" dirty="0">
+                <a:latin typeface="Avenir Book" panose="02000503020000020003"/>
+              </a:rPr>
+              <a:t>. The API provided an enormous amount of data point that I could use to train my model. I started with just </a:t>
+            </a:r>
+            <a:r>
+              <a:rPr lang="en-US" sz="2800" i="1" dirty="0">
+                <a:latin typeface="Avenir Book" panose="02000503020000020003"/>
+              </a:rPr>
+              <a:t>champions</a:t>
+            </a:r>
+            <a:r>
+              <a:rPr lang="en-US" sz="2800" dirty="0">
+                <a:latin typeface="Avenir Book" panose="02000503020000020003"/>
+              </a:rPr>
+              <a:t>, realized that is not</a:t>
+            </a:r>
+            <a:endParaRPr lang="en-US" dirty="0"/>
+          </a:p>
+        </p:txBody>
+      </p:sp>
+      <p:sp>
+        <p:nvSpPr>
+          <p:cNvPr id="54" name="TextBox 53">
+            <a:extLst>
+              <a:ext uri="{FF2B5EF4-FFF2-40B4-BE49-F238E27FC236}">
+                <a16:creationId xmlns:a16="http://schemas.microsoft.com/office/drawing/2014/main" id="{6D7F717A-434C-B512-51B8-FAE9598788D4}"/>
+              </a:ext>
+            </a:extLst>
+          </p:cNvPr>
+          <p:cNvSpPr txBox="1"/>
+          <p:nvPr/>
+        </p:nvSpPr>
+        <p:spPr>
+          <a:xfrm>
+            <a:off x="12311945" y="15935890"/>
+            <a:ext cx="5327011" cy="5016758"/>
+          </a:xfrm>
+          <a:prstGeom prst="rect">
+            <a:avLst/>
+          </a:prstGeom>
+          <a:noFill/>
+        </p:spPr>
+        <p:txBody>
+          <a:bodyPr wrap="square" rtlCol="0">
+            <a:spAutoFit/>
+          </a:bodyPr>
+          <a:lstStyle/>
+          <a:p>
+            <a:r>
+              <a:rPr lang="en-US" dirty="0"/>
+              <a:t>Model</a:t>
+            </a:r>
+          </a:p>
+          <a:p>
+            <a:endParaRPr lang="en-US" dirty="0"/>
+          </a:p>
+          <a:p>
+            <a:r>
+              <a:rPr lang="en-US" dirty="0"/>
+              <a:t>.</a:t>
+            </a:r>
+          </a:p>
+          <a:p>
+            <a:r>
+              <a:rPr lang="en-US" dirty="0"/>
+              <a:t>.</a:t>
+            </a:r>
+          </a:p>
+          <a:p>
+            <a:r>
+              <a:rPr lang="en-US" dirty="0"/>
+              <a:t>.</a:t>
+            </a:r>
+          </a:p>
+          <a:p>
+            <a:r>
+              <a:rPr lang="en-US" dirty="0"/>
+              <a:t>.</a:t>
+            </a:r>
+          </a:p>
+          <a:p>
+            <a:r>
+              <a:rPr lang="en-US" dirty="0"/>
+              <a:t>.</a:t>
+            </a:r>
+          </a:p>
+          <a:p>
+            <a:r>
+              <a:rPr lang="en-US" dirty="0"/>
+              <a:t>.</a:t>
+            </a:r>
+          </a:p>
+          <a:p>
+            <a:r>
+              <a:rPr lang="en-US" dirty="0"/>
+              <a:t>.</a:t>
+            </a:r>
+          </a:p>
+          <a:p>
+            <a:r>
+              <a:rPr lang="en-US" dirty="0"/>
+              <a:t>.</a:t>
+            </a:r>
+          </a:p>
+        </p:txBody>
+      </p:sp>
+      <p:pic>
+        <p:nvPicPr>
+          <p:cNvPr id="62" name="Picture 61">
+            <a:extLst>
+              <a:ext uri="{FF2B5EF4-FFF2-40B4-BE49-F238E27FC236}">
+                <a16:creationId xmlns:a16="http://schemas.microsoft.com/office/drawing/2014/main" id="{AD8C6BDC-3D5C-49A1-22F7-A4FF579066AB}"/>
+              </a:ext>
+            </a:extLst>
+          </p:cNvPr>
+          <p:cNvPicPr>
+            <a:picLocks noChangeAspect="1"/>
+          </p:cNvPicPr>
+          <p:nvPr/>
+        </p:nvPicPr>
+        <p:blipFill>
+          <a:blip r:embed="rId11"/>
+          <a:stretch>
+            <a:fillRect/>
+          </a:stretch>
+        </p:blipFill>
+        <p:spPr>
+          <a:xfrm>
+            <a:off x="12311945" y="11676799"/>
+            <a:ext cx="13982700" cy="4286250"/>
+          </a:xfrm>
+          <a:prstGeom prst="rect">
+            <a:avLst/>
+          </a:prstGeom>
+        </p:spPr>
+      </p:pic>
+      <p:sp>
+        <p:nvSpPr>
+          <p:cNvPr id="63" name="TextBox 62">
+            <a:extLst>
+              <a:ext uri="{FF2B5EF4-FFF2-40B4-BE49-F238E27FC236}">
+                <a16:creationId xmlns:a16="http://schemas.microsoft.com/office/drawing/2014/main" id="{6B238234-FF35-7306-92A5-F787291B32B4}"/>
+              </a:ext>
+            </a:extLst>
+          </p:cNvPr>
+          <p:cNvSpPr txBox="1"/>
+          <p:nvPr/>
+        </p:nvSpPr>
+        <p:spPr>
+          <a:xfrm>
+            <a:off x="25968960" y="11300108"/>
+            <a:ext cx="5492220" cy="4832092"/>
+          </a:xfrm>
+          <a:prstGeom prst="rect">
+            <a:avLst/>
+          </a:prstGeom>
+          <a:noFill/>
+        </p:spPr>
+        <p:txBody>
+          <a:bodyPr wrap="square" rtlCol="0">
+            <a:spAutoFit/>
+          </a:bodyPr>
+          <a:lstStyle/>
+          <a:p>
+            <a:r>
+              <a:rPr lang="en-US" sz="2800" dirty="0">
+                <a:latin typeface="Avenir Book" panose="02000503020000020003"/>
+              </a:rPr>
+              <a:t>consistent enough and expanded to include gold difference and the other objectives in the game. By adding in more data points, my model’s accuracy improve greatly. There were 26 features in total used to train my model. 10 champions (5 per team), gold difference, and the remaining objectives (kills, towers, Grubs, Heralds, Dragons, Barons, and </a:t>
+            </a:r>
+            <a:r>
+              <a:rPr lang="en-US" sz="2800" dirty="0" err="1">
+                <a:latin typeface="Avenir Book" panose="02000503020000020003"/>
+              </a:rPr>
+              <a:t>Atakhan</a:t>
+            </a:r>
+            <a:endParaRPr lang="en-US" sz="2800" dirty="0">
+              <a:latin typeface="Avenir Book" panose="02000503020000020003"/>
             </a:endParaRPr>
           </a:p>
         </p:txBody>

--- a/Poster.pptx
+++ b/Poster.pptx
@@ -321,7 +321,7 @@
             <a:fld id="{C59D76ED-0B13-8E48-95C1-D04E5E6B4F3C}" type="datetime1">
               <a:rPr lang="en-US" altLang="en-US"/>
               <a:pPr/>
-              <a:t>4/12/2025</a:t>
+              <a:t>4/16/2025</a:t>
             </a:fld>
             <a:endParaRPr lang="en-US" altLang="en-US"/>
           </a:p>
@@ -770,7 +770,7 @@
                 <a:spcPct val="0"/>
               </a:spcBef>
             </a:pPr>
-            <a:endParaRPr lang="en-US" altLang="en-US" sz="9600">
+            <a:endParaRPr lang="en-US" altLang="en-US" sz="9600" dirty="0">
               <a:solidFill>
                 <a:srgbClr val="000000"/>
               </a:solidFill>
@@ -4744,7 +4744,24 @@
                 <a:ea typeface="Calibri" panose="020F0502020204030204" pitchFamily="34" charset="0"/>
                 <a:cs typeface="Calibri" panose="020F0502020204030204" pitchFamily="34" charset="0"/>
               </a:rPr>
-              <a:t>games in real time is challenging even for experienced players. This project aims to create a consistent and data-driven method to predict the outcome of matches. This desktop application leverages machine learning algorithms to predict the likely winner based on real-time game data. By automating this analysis, the tool provides valuable insights and helps players make better in-game decisions.</a:t>
+              <a:t>games in real time is challenging even for experienced players. This project aims to create a consistent and data-driven method to predict </a:t>
+            </a:r>
+            <a:r>
+              <a:rPr lang="en-US" sz="2800" kern="100" dirty="0">
+                <a:latin typeface="Avenir Book"/>
+                <a:ea typeface="Calibri" panose="020F0502020204030204" pitchFamily="34" charset="0"/>
+                <a:cs typeface="Calibri" panose="020F0502020204030204" pitchFamily="34" charset="0"/>
+              </a:rPr>
+              <a:t>match outcomes</a:t>
+            </a:r>
+            <a:r>
+              <a:rPr lang="en-US" sz="2800" kern="100" dirty="0">
+                <a:effectLst/>
+                <a:latin typeface="Avenir Book"/>
+                <a:ea typeface="Calibri" panose="020F0502020204030204" pitchFamily="34" charset="0"/>
+                <a:cs typeface="Calibri" panose="020F0502020204030204" pitchFamily="34" charset="0"/>
+              </a:rPr>
+              <a:t>. This desktop application leverages machine learning algorithms to predict the likely winner based on real-time game data. By automating this analysis, the tool provides valuable insights and helps players make better in-game decisions.</a:t>
             </a:r>
           </a:p>
           <a:p>
@@ -5110,13 +5127,16 @@
                 <a:effectLst/>
                 <a:latin typeface="Avenir Book" panose="02000503020000020003"/>
               </a:rPr>
-              <a:t> a player can choose to play and eight different objectives that can be captured. No two games are the same.</a:t>
+              <a:t> a player can choose to play and eight different objectives that can be captured. No two games are the same. Players in League of Legends matches benefit from additional insights during gameplay, hoping to increase their chances of winning. This motivated me to work on this project. We were curious if years of experience playing would align with what the model was telling </a:t>
             </a:r>
             <a:r>
               <a:rPr lang="en-US" sz="2800" dirty="0">
+                <a:solidFill>
+                  <a:srgbClr val="000000"/>
+                </a:solidFill>
                 <a:latin typeface="Avenir Book" panose="02000503020000020003"/>
               </a:rPr>
-              <a:t> </a:t>
+              <a:t>us</a:t>
             </a:r>
             <a:r>
               <a:rPr lang="en-US" sz="2800" b="0" i="0" u="none" strike="noStrike" dirty="0">
@@ -5126,7 +5146,7 @@
                 <a:effectLst/>
                 <a:latin typeface="Avenir Book" panose="02000503020000020003"/>
               </a:rPr>
-              <a:t>I have played League of Legends for many years and have always wondered while playing, “Are we winning or losing right now?”. This question motivated me to work on this project. I was curious if my years of experience playing would align with what the machine was telling me.</a:t>
+              <a:t>.</a:t>
             </a:r>
             <a:br>
               <a:rPr lang="en-US" sz="2800" b="0" i="0" u="none" strike="noStrike" dirty="0">
@@ -5154,7 +5174,7 @@
                 <a:effectLst/>
                 <a:latin typeface="Avenir Book" panose="02000503020000020003"/>
               </a:rPr>
-              <a:t>This project aims to create a machine learning-based system that can predict the winning team in real time based on game data. This is achieved by utilizing historical match data, training a machine learning model, and then using that trained model to predict the outcome. For this project, I attempted several common machine learning algorithms including k-nearest neighbors (</a:t>
+              <a:t>This project aims to create a machine learning-based system that can predict the winning team in real-time based on game data. This is achieved by utilizing historical match data, training a machine learning model, and then using that trained model to predict the outcome. For this project, We attempted several common machine learning algorithms including k-nearest neighbors (</a:t>
             </a:r>
             <a:r>
               <a:rPr lang="en-US" sz="2800" b="0" i="0" u="none" strike="noStrike" dirty="0" err="1">
@@ -5174,7 +5194,7 @@
                 <a:effectLst/>
                 <a:latin typeface="Avenir Book" panose="02000503020000020003"/>
               </a:rPr>
-              <a:t>), Decision tree, and Random Forest. I found that random forest provided the best results. </a:t>
+              <a:t>), Decision tree, and Random Forest. We found that the random forest model provided the best results. </a:t>
             </a:r>
             <a:br>
               <a:rPr lang="en-US" sz="2800" b="0" i="0" u="none" strike="noStrike" dirty="0">
@@ -5202,10 +5222,20 @@
                 <a:effectLst/>
                 <a:latin typeface="Avenir Book" panose="02000503020000020003"/>
               </a:rPr>
-              <a:t>Random Forest classifier is an ensemble algorithm meaning they combine multiple “weaker” models to create a stronger model. In Random Forest’s case, it uses multiple decision trees to classify the data, hence the word “forest”. In addition, each tree is taken from a random subset of the data. Random Forest is ideal for reducing overfitting and bias.</a:t>
-            </a:r>
-            <a:r>
-              <a:rPr lang="en-US" sz="2800" b="0" i="0" u="none" strike="noStrike" dirty="0">
+              <a:t>Random Forest classifier is an ensemble algorithm meaning they combine multiple “weaker” models to create a stronger model. In Random Forest’s case, it uses multiple decision trees to classify the data, hence the word “forest”. In addition, each tree is taken from a random subset of the data. This makes random forest models ideal for reducing overfitting </a:t>
+            </a:r>
+            <a:r>
+              <a:rPr lang="en-US" sz="2800" b="0" i="0" u="none" strike="noStrike">
+                <a:solidFill>
+                  <a:srgbClr val="000000"/>
+                </a:solidFill>
+                <a:effectLst/>
+                <a:latin typeface="Avenir Book" panose="02000503020000020003"/>
+              </a:rPr>
+              <a:t>and bias.</a:t>
+            </a:r>
+            <a:r>
+              <a:rPr lang="en-US" sz="2800" b="0" i="0" u="none" strike="noStrike">
                 <a:solidFill>
                   <a:srgbClr val="000000"/>
                 </a:solidFill>
@@ -5214,6 +5244,13 @@
               </a:rPr>
               <a:t> </a:t>
             </a:r>
+            <a:endParaRPr lang="en-US" sz="2800" b="0" i="0" u="none" strike="noStrike" dirty="0">
+              <a:solidFill>
+                <a:srgbClr val="000000"/>
+              </a:solidFill>
+              <a:effectLst/>
+              <a:latin typeface="Arial" panose="020B0604020202020204" pitchFamily="34" charset="0"/>
+            </a:endParaRPr>
           </a:p>
           <a:p>
             <a:pPr>
@@ -5494,8 +5531,8 @@
         </p:nvSpPr>
         <p:spPr bwMode="auto">
           <a:xfrm>
-            <a:off x="32986436" y="5146891"/>
-            <a:ext cx="9010650" cy="17125361"/>
+            <a:off x="32973630" y="5229826"/>
+            <a:ext cx="9010650" cy="16110170"/>
           </a:xfrm>
           <a:prstGeom prst="rect">
             <a:avLst/>
@@ -6082,6 +6119,97 @@
           </a:p>
           <a:p>
             <a:pPr eaLnBrk="1" hangingPunct="1"/>
+            <a:r>
+              <a:rPr lang="en-US" altLang="en-US" sz="2800" dirty="0">
+                <a:latin typeface="Avenir Book" panose="02000503020000020003" pitchFamily="2" charset="0"/>
+              </a:rPr>
+              <a:t>Data sourced from </a:t>
+            </a:r>
+            <a:r>
+              <a:rPr lang="en-US" altLang="en-US" sz="2800" i="1" dirty="0">
+                <a:latin typeface="Avenir Book" panose="02000503020000020003" pitchFamily="2" charset="0"/>
+              </a:rPr>
+              <a:t>RIOT API</a:t>
+            </a:r>
+          </a:p>
+          <a:p>
+            <a:pPr eaLnBrk="1" hangingPunct="1"/>
+            <a:r>
+              <a:rPr lang="en-US" altLang="en-US" sz="2000" i="1" dirty="0">
+                <a:latin typeface="Avenir Book" panose="02000503020000020003" pitchFamily="2" charset="0"/>
+              </a:rPr>
+              <a:t>https://developer.riotgames.com/apis</a:t>
+            </a:r>
+          </a:p>
+          <a:p>
+            <a:pPr eaLnBrk="1" hangingPunct="1"/>
+            <a:r>
+              <a:rPr lang="en-US" altLang="en-US" sz="2800" dirty="0">
+                <a:latin typeface="Avenir Book" panose="02000503020000020003" pitchFamily="2" charset="0"/>
+              </a:rPr>
+              <a:t>Model created using </a:t>
+            </a:r>
+            <a:r>
+              <a:rPr lang="en-US" altLang="en-US" sz="2800" i="1" dirty="0">
+                <a:latin typeface="Avenir Book" panose="02000503020000020003" pitchFamily="2" charset="0"/>
+              </a:rPr>
+              <a:t>scikit-learn </a:t>
+            </a:r>
+            <a:r>
+              <a:rPr lang="en-US" altLang="en-US" sz="2800" dirty="0">
+                <a:latin typeface="Avenir Book" panose="02000503020000020003" pitchFamily="2" charset="0"/>
+              </a:rPr>
+              <a:t>package</a:t>
+            </a:r>
+          </a:p>
+          <a:p>
+            <a:pPr eaLnBrk="1" hangingPunct="1"/>
+            <a:r>
+              <a:rPr lang="en-US" altLang="en-US" sz="2000" i="1" dirty="0">
+                <a:latin typeface="Avenir Book" panose="02000503020000020003" pitchFamily="2" charset="0"/>
+                <a:hlinkClick r:id="rId5"/>
+              </a:rPr>
+              <a:t>https://scikit-learn.org/</a:t>
+            </a:r>
+            <a:endParaRPr lang="en-US" altLang="en-US" sz="2000" i="1" dirty="0">
+              <a:latin typeface="Avenir Book" panose="02000503020000020003" pitchFamily="2" charset="0"/>
+            </a:endParaRPr>
+          </a:p>
+          <a:p>
+            <a:pPr eaLnBrk="1" hangingPunct="1"/>
+            <a:r>
+              <a:rPr lang="en-US" altLang="en-US" sz="2800" dirty="0">
+                <a:latin typeface="Avenir Book" panose="02000503020000020003" pitchFamily="2" charset="0"/>
+              </a:rPr>
+              <a:t>Images Sources:</a:t>
+            </a:r>
+          </a:p>
+          <a:p>
+            <a:pPr eaLnBrk="1" hangingPunct="1"/>
+            <a:r>
+              <a:rPr lang="en-US" altLang="en-US" sz="2000" i="1" dirty="0">
+                <a:latin typeface="Avenir Book" panose="02000503020000020003" pitchFamily="2" charset="0"/>
+              </a:rPr>
+              <a:t>https://brand.riotgames.com/en-us/league-of-legends/logos/</a:t>
+            </a:r>
+          </a:p>
+          <a:p>
+            <a:pPr eaLnBrk="1" hangingPunct="1"/>
+            <a:r>
+              <a:rPr lang="en-US" altLang="en-US" sz="2000" i="1" dirty="0">
+                <a:latin typeface="Avenir Book" panose="02000503020000020003" pitchFamily="2" charset="0"/>
+              </a:rPr>
+              <a:t>https://www.ejable.com/tech-corner/ai-machine-learning-and-deep-learning/random-forest-in-machine-learning/</a:t>
+            </a:r>
+          </a:p>
+          <a:p>
+            <a:pPr eaLnBrk="1" hangingPunct="1"/>
+            <a:endParaRPr lang="en-US" altLang="en-US" sz="2800" dirty="0">
+              <a:latin typeface="Avenir Book" panose="02000503020000020003" pitchFamily="2" charset="0"/>
+            </a:endParaRPr>
+          </a:p>
+          <a:p>
+            <a:pPr eaLnBrk="1" hangingPunct="1"/>
             <a:br>
               <a:rPr lang="en-US" altLang="en-US" sz="2400" dirty="0">
                 <a:latin typeface="Avenir Book" panose="02000503020000020003" pitchFamily="2" charset="0"/>
@@ -6118,7 +6246,7 @@
           <p:nvPr/>
         </p:nvPicPr>
         <p:blipFill>
-          <a:blip r:embed="rId5"/>
+          <a:blip r:embed="rId6"/>
           <a:srcRect/>
           <a:stretch/>
         </p:blipFill>
@@ -6148,8 +6276,8 @@
         </p:nvSpPr>
         <p:spPr bwMode="auto">
           <a:xfrm>
-            <a:off x="32983714" y="23257090"/>
-            <a:ext cx="9013371" cy="3918857"/>
+            <a:off x="32970909" y="21896093"/>
+            <a:ext cx="9013371" cy="5792481"/>
           </a:xfrm>
           <a:prstGeom prst="rect">
             <a:avLst/>
@@ -6291,34 +6419,6 @@
               <a:t>Future Work</a:t>
             </a:r>
           </a:p>
-          <a:p>
-            <a:pPr eaLnBrk="1" hangingPunct="1">
-              <a:spcBef>
-                <a:spcPct val="50000"/>
-              </a:spcBef>
-              <a:tabLst>
-                <a:tab pos="635000" algn="l"/>
-              </a:tabLst>
-            </a:pPr>
-            <a:br>
-              <a:rPr lang="en-US" altLang="en-US" sz="4000" dirty="0">
-                <a:latin typeface="Avenir Book" panose="02000503020000020003" pitchFamily="2" charset="0"/>
-              </a:rPr>
-            </a:br>
-            <a:endParaRPr lang="en-US" altLang="en-US" sz="4000" dirty="0">
-              <a:latin typeface="Avenir Book" panose="02000503020000020003" pitchFamily="2" charset="0"/>
-            </a:endParaRPr>
-          </a:p>
-          <a:p>
-            <a:pPr eaLnBrk="1" hangingPunct="1">
-              <a:spcBef>
-                <a:spcPct val="10000"/>
-              </a:spcBef>
-            </a:pPr>
-            <a:endParaRPr lang="en-US" altLang="en-US" sz="2400" dirty="0">
-              <a:latin typeface="Avenir Book" panose="02000503020000020003" pitchFamily="2" charset="0"/>
-            </a:endParaRPr>
-          </a:p>
         </p:txBody>
       </p:sp>
       <p:pic>
@@ -6336,7 +6436,7 @@
           <p:nvPr/>
         </p:nvPicPr>
         <p:blipFill>
-          <a:blip r:embed="rId6">
+          <a:blip r:embed="rId7">
             <a:extLst>
               <a:ext uri="{28A0092B-C50C-407E-A947-70E740481C1C}">
                 <a14:useLocalDpi xmlns:a14="http://schemas.microsoft.com/office/drawing/2010/main" val="0"/>
@@ -6350,7 +6450,7 @@
         </p:blipFill>
         <p:spPr bwMode="auto">
           <a:xfrm>
-            <a:off x="3751227" y="28785720"/>
+            <a:off x="3751227" y="28766670"/>
             <a:ext cx="4929033" cy="3293921"/>
           </a:xfrm>
           <a:prstGeom prst="rect">
@@ -6451,7 +6551,7 @@
         </p:nvSpPr>
         <p:spPr>
           <a:xfrm>
-            <a:off x="2392680" y="11693932"/>
+            <a:off x="2392680" y="11664435"/>
             <a:ext cx="5132432" cy="3970318"/>
           </a:xfrm>
           <a:prstGeom prst="rect">
@@ -6483,7 +6583,7 @@
                 <a:effectLst/>
                 <a:latin typeface="Avenir Book" panose="02000503020000020003"/>
               </a:rPr>
-              <a:t> is a five vs five strategic online video game, where players take control of a specific character. The ultimate goal is to destroy the enemy team’s base, which is achieved by increasing your character's strength, via capturing various objectives or defeating the enemy team’s</a:t>
+              <a:t> is a five vs five strategic online video game, where players take control of a specific character. The ultimate goal is to destroy the enemy team’s base, which is achieved by increasing your character's strength, by capturing various objectives or defeating the enemy team’s</a:t>
             </a:r>
             <a:endParaRPr lang="en-US" sz="2800" dirty="0"/>
           </a:p>
@@ -6547,12 +6647,12 @@
           <a:graphicData uri="http://schemas.openxmlformats.org/presentationml/2006/ole">
             <mc:AlternateContent xmlns:mc="http://schemas.openxmlformats.org/markup-compatibility/2006">
               <mc:Choice xmlns:v="urn:schemas-microsoft-com:vml" Requires="v">
-                <p:oleObj name="Document" r:id="rId7" imgW="7399031" imgH="10066182" progId="Word.Document.12">
+                <p:oleObj name="Document" r:id="rId8" imgW="7399031" imgH="10066182" progId="Word.Document.12">
                   <p:embed/>
                 </p:oleObj>
               </mc:Choice>
               <mc:Fallback>
-                <p:oleObj name="Document" r:id="rId7" imgW="7399031" imgH="10066182" progId="Word.Document.12">
+                <p:oleObj name="Document" r:id="rId8" imgW="7399031" imgH="10066182" progId="Word.Document.12">
                   <p:embed/>
                   <p:pic>
                     <p:nvPicPr>
@@ -6561,7 +6661,7 @@
                       <p:nvPr/>
                     </p:nvPicPr>
                     <p:blipFill>
-                      <a:blip r:embed="rId8"/>
+                      <a:blip r:embed="rId9"/>
                       <a:stretch>
                         <a:fillRect/>
                       </a:stretch>
@@ -6597,14 +6697,14 @@
           <p:nvPr/>
         </p:nvPicPr>
         <p:blipFill>
-          <a:blip r:embed="rId9"/>
+          <a:blip r:embed="rId10"/>
           <a:stretch>
             <a:fillRect/>
           </a:stretch>
         </p:blipFill>
         <p:spPr>
           <a:xfrm>
-            <a:off x="12263115" y="6245959"/>
+            <a:off x="12263115" y="6169759"/>
             <a:ext cx="9149086" cy="5457999"/>
           </a:xfrm>
           <a:prstGeom prst="rect">
@@ -6627,14 +6727,14 @@
           <p:nvPr/>
         </p:nvPicPr>
         <p:blipFill>
-          <a:blip r:embed="rId10"/>
+          <a:blip r:embed="rId11"/>
           <a:stretch>
             <a:fillRect/>
           </a:stretch>
         </p:blipFill>
         <p:spPr>
           <a:xfrm>
-            <a:off x="17638956" y="15773378"/>
+            <a:off x="17824541" y="16041922"/>
             <a:ext cx="13982700" cy="4286250"/>
           </a:xfrm>
           <a:prstGeom prst="rect">
@@ -6656,8 +6756,8 @@
         </p:nvSpPr>
         <p:spPr>
           <a:xfrm>
-            <a:off x="21412201" y="6518031"/>
-            <a:ext cx="10048979" cy="4955203"/>
+            <a:off x="21412201" y="6282055"/>
+            <a:ext cx="10048979" cy="5386090"/>
           </a:xfrm>
           <a:prstGeom prst="rect">
             <a:avLst/>
@@ -6685,19 +6785,31 @@
               <a:rPr lang="en-US" sz="2800" dirty="0">
                 <a:latin typeface="Avenir Book" panose="02000503020000020003"/>
               </a:rPr>
-              <a:t>In any machine learning project data is key. You need the correct features and enough to build a strong model. League of Legends has several key data points I wanted to track. Luckily League of Legends provides an API that allows you to fetch match details. Initially I analyzed only highly rated games, from Master+ tiers. Belief was this would provide me with the “best” data. Later I included other tiers of play to balance the model. I ultimately fetch around </a:t>
+              <a:t>In any machine learning project data is key. Machine learning algorithms require the right number of features and a large quantity of data to build a strong model. League of Legends has several crucial data points worth tracking. Fortunately, </a:t>
+            </a:r>
+            <a:r>
+              <a:rPr lang="en-US" sz="2800" i="1" dirty="0">
+                <a:latin typeface="Avenir Book" panose="02000503020000020003"/>
+              </a:rPr>
+              <a:t>RIOT Games </a:t>
+            </a:r>
+            <a:r>
+              <a:rPr lang="en-US" sz="2800" dirty="0">
+                <a:latin typeface="Avenir Book" panose="02000503020000020003"/>
+              </a:rPr>
+              <a:t>provides an API that allows you to fetch detailed match information. Initially, we focused on highly rated games (Master tier and above) under the assumption that these would provide reliable data. However, the dataset was expanded to include other tiers. In total, we collected approximately </a:t>
             </a:r>
             <a:r>
               <a:rPr lang="en-US" sz="2800" b="1" dirty="0">
                 <a:latin typeface="Avenir Book" panose="02000503020000020003"/>
               </a:rPr>
-              <a:t>35k matches</a:t>
+              <a:t>36k matches</a:t>
             </a:r>
             <a:r>
               <a:rPr lang="en-US" sz="2800" dirty="0">
                 <a:latin typeface="Avenir Book" panose="02000503020000020003"/>
               </a:rPr>
-              <a:t>. The API provided an enormous amount of data point that I could use to train my model. I started with just </a:t>
+              <a:t>. The API provides a massive amount of data points. We began with just </a:t>
             </a:r>
             <a:r>
               <a:rPr lang="en-US" sz="2800" i="1" dirty="0">
@@ -6709,7 +6821,7 @@
               <a:rPr lang="en-US" sz="2800" dirty="0">
                 <a:latin typeface="Avenir Book" panose="02000503020000020003"/>
               </a:rPr>
-              <a:t>, realized that is not</a:t>
+              <a:t> and realized that is not</a:t>
             </a:r>
             <a:endParaRPr lang="en-US" dirty="0"/>
           </a:p>
@@ -6729,8 +6841,8 @@
         </p:nvSpPr>
         <p:spPr>
           <a:xfrm>
-            <a:off x="12311945" y="15935890"/>
-            <a:ext cx="5327011" cy="5016758"/>
+            <a:off x="12193957" y="15792428"/>
+            <a:ext cx="6094043" cy="4524315"/>
           </a:xfrm>
           <a:prstGeom prst="rect">
             <a:avLst/>
@@ -6744,7 +6856,9 @@
           <a:lstStyle/>
           <a:p>
             <a:r>
-              <a:rPr lang="en-US" dirty="0"/>
+              <a:rPr lang="en-US" b="1" dirty="0">
+                <a:latin typeface="Avenir Heavy" panose="02000503020000020003"/>
+              </a:rPr>
               <a:t>Model</a:t>
             </a:r>
           </a:p>
@@ -6753,51 +6867,24 @@
           </a:p>
           <a:p>
             <a:r>
-              <a:rPr lang="en-US" dirty="0"/>
-              <a:t>.</a:t>
-            </a:r>
-          </a:p>
-          <a:p>
-            <a:r>
-              <a:rPr lang="en-US" dirty="0"/>
-              <a:t>.</a:t>
-            </a:r>
-          </a:p>
-          <a:p>
-            <a:r>
-              <a:rPr lang="en-US" dirty="0"/>
-              <a:t>.</a:t>
-            </a:r>
-          </a:p>
-          <a:p>
-            <a:r>
-              <a:rPr lang="en-US" dirty="0"/>
-              <a:t>.</a:t>
-            </a:r>
-          </a:p>
-          <a:p>
-            <a:r>
-              <a:rPr lang="en-US" dirty="0"/>
-              <a:t>.</a:t>
-            </a:r>
-          </a:p>
-          <a:p>
-            <a:r>
-              <a:rPr lang="en-US" dirty="0"/>
-              <a:t>.</a:t>
-            </a:r>
-          </a:p>
-          <a:p>
-            <a:r>
-              <a:rPr lang="en-US" dirty="0"/>
-              <a:t>.</a:t>
-            </a:r>
-          </a:p>
-          <a:p>
-            <a:r>
-              <a:rPr lang="en-US" dirty="0"/>
-              <a:t>.</a:t>
-            </a:r>
+              <a:rPr lang="en-US" sz="2800" dirty="0">
+                <a:latin typeface="Avenir Book" panose="02000503020000020003"/>
+              </a:rPr>
+              <a:t>The random forest model was selected due to its ability to handle complex data, capacity to identify the importance of features, and reduce the risk of overfitting. After training the model, the model achieved </a:t>
+            </a:r>
+            <a:r>
+              <a:rPr lang="en-US" sz="2800" b="1" dirty="0">
+                <a:latin typeface="Avenir Book" panose="02000503020000020003"/>
+              </a:rPr>
+              <a:t>98% accuracy</a:t>
+            </a:r>
+            <a:r>
+              <a:rPr lang="en-US" sz="2800" dirty="0">
+                <a:latin typeface="Avenir Book" panose="02000503020000020003"/>
+              </a:rPr>
+              <a:t>. Using 50% of the dataset for training and the remaining 50% for testing. The</a:t>
+            </a:r>
+            <a:endParaRPr lang="en-US" dirty="0"/>
           </a:p>
         </p:txBody>
       </p:sp>
@@ -6816,14 +6903,14 @@
           <p:nvPr/>
         </p:nvPicPr>
         <p:blipFill>
-          <a:blip r:embed="rId11"/>
+          <a:blip r:embed="rId12"/>
           <a:stretch>
             <a:fillRect/>
           </a:stretch>
         </p:blipFill>
         <p:spPr>
           <a:xfrm>
-            <a:off x="12311945" y="11676799"/>
+            <a:off x="12123574" y="11581441"/>
             <a:ext cx="13982700" cy="4286250"/>
           </a:xfrm>
           <a:prstGeom prst="rect">
@@ -6845,8 +6932,8 @@
         </p:nvSpPr>
         <p:spPr>
           <a:xfrm>
-            <a:off x="25968960" y="11300108"/>
-            <a:ext cx="5492220" cy="4832092"/>
+            <a:off x="25824605" y="11520732"/>
+            <a:ext cx="5636575" cy="5262979"/>
           </a:xfrm>
           <a:prstGeom prst="rect">
             <a:avLst/>
@@ -6863,20 +6950,580 @@
               <a:rPr lang="en-US" sz="2800" dirty="0">
                 <a:latin typeface="Avenir Book" panose="02000503020000020003"/>
               </a:rPr>
-              <a:t>consistent enough and expanded to include gold difference and the other objectives in the game. By adding in more data points, my model’s accuracy improve greatly. There were 26 features in total used to train my model. 10 champions (5 per team), gold difference, and the remaining objectives (kills, towers, Grubs, Heralds, Dragons, Barons, and </a:t>
-            </a:r>
-            <a:r>
-              <a:rPr lang="en-US" sz="2800" dirty="0" err="1">
-                <a:latin typeface="Avenir Book" panose="02000503020000020003"/>
-              </a:rPr>
-              <a:t>Atakhan</a:t>
-            </a:r>
+              <a:t>consistent enough to produce accurate results. So, incorporating additional features such as gold difference and key objectives significantly boosted the model’s accuracy. </a:t>
+            </a:r>
+          </a:p>
+          <a:p>
             <a:endParaRPr lang="en-US" sz="2800" dirty="0">
               <a:latin typeface="Avenir Book" panose="02000503020000020003"/>
             </a:endParaRPr>
           </a:p>
-        </p:txBody>
-      </p:sp>
+          <a:p>
+            <a:r>
+              <a:rPr lang="en-US" sz="2800" dirty="0">
+                <a:latin typeface="Avenir Book" panose="02000503020000020003"/>
+              </a:rPr>
+              <a:t>In total, </a:t>
+            </a:r>
+            <a:r>
+              <a:rPr lang="en-US" sz="2800" b="1" dirty="0">
+                <a:latin typeface="Avenir Book" panose="02000503020000020003"/>
+              </a:rPr>
+              <a:t>26 features </a:t>
+            </a:r>
+            <a:r>
+              <a:rPr lang="en-US" sz="2800" dirty="0">
+                <a:latin typeface="Avenir Book" panose="02000503020000020003"/>
+              </a:rPr>
+              <a:t>were used to train the model, this included 10 champions (5 per team), gold difference, kills, towers, Grubs, Heralds, Dragons, Barons, </a:t>
+            </a:r>
+            <a:r>
+              <a:rPr lang="en-US" sz="2800" dirty="0" err="1">
+                <a:latin typeface="Avenir Book" panose="02000503020000020003"/>
+              </a:rPr>
+              <a:t>Atakhan</a:t>
+            </a:r>
+            <a:r>
+              <a:rPr lang="en-US" sz="2800" dirty="0">
+                <a:latin typeface="Avenir Book" panose="02000503020000020003"/>
+              </a:rPr>
+              <a:t>, and the match’s duration.</a:t>
+            </a:r>
+          </a:p>
+        </p:txBody>
+      </p:sp>
+      <p:sp>
+        <p:nvSpPr>
+          <p:cNvPr id="7" name="TextBox 6">
+            <a:extLst>
+              <a:ext uri="{FF2B5EF4-FFF2-40B4-BE49-F238E27FC236}">
+                <a16:creationId xmlns:a16="http://schemas.microsoft.com/office/drawing/2014/main" id="{19BEBABB-D8D5-5D7B-9DDE-6B71A007CBE3}"/>
+              </a:ext>
+            </a:extLst>
+          </p:cNvPr>
+          <p:cNvSpPr txBox="1"/>
+          <p:nvPr/>
+        </p:nvSpPr>
+        <p:spPr>
+          <a:xfrm>
+            <a:off x="12193957" y="20182881"/>
+            <a:ext cx="19004880" cy="1815882"/>
+          </a:xfrm>
+          <a:prstGeom prst="rect">
+            <a:avLst/>
+          </a:prstGeom>
+          <a:noFill/>
+        </p:spPr>
+        <p:txBody>
+          <a:bodyPr wrap="square" rtlCol="0">
+            <a:spAutoFit/>
+          </a:bodyPr>
+          <a:lstStyle/>
+          <a:p>
+            <a:r>
+              <a:rPr lang="en-US" sz="2800" dirty="0">
+                <a:latin typeface="Avenir Book" panose="02000503020000020003"/>
+              </a:rPr>
+              <a:t>model identified </a:t>
+            </a:r>
+            <a:r>
+              <a:rPr lang="en-US" sz="2800" b="1" dirty="0">
+                <a:latin typeface="Avenir Book" panose="02000503020000020003"/>
+              </a:rPr>
+              <a:t>gold difference </a:t>
+            </a:r>
+            <a:r>
+              <a:rPr lang="en-US" sz="2800" dirty="0">
+                <a:latin typeface="Avenir Book" panose="02000503020000020003"/>
+              </a:rPr>
+              <a:t>and </a:t>
+            </a:r>
+            <a:r>
+              <a:rPr lang="en-US" sz="2800" b="1" dirty="0">
+                <a:latin typeface="Avenir Book" panose="02000503020000020003"/>
+              </a:rPr>
+              <a:t>tower kills</a:t>
+            </a:r>
+            <a:r>
+              <a:rPr lang="en-US" sz="2800" dirty="0">
+                <a:latin typeface="Avenir Book" panose="02000503020000020003"/>
+              </a:rPr>
+              <a:t> as the strongest predictors of match outcome. This result is not surprising given gold is awarded to the team as they progress towards winning the game, and a prerequisite to defeating the enemy base is destroying at least 5 towers, but this is usually much higher. In contrast, other objectives like Dragons or Barons may provide strategic advantages but do not directly result in a win.</a:t>
+            </a:r>
+          </a:p>
+        </p:txBody>
+      </p:sp>
+      <p:sp>
+        <p:nvSpPr>
+          <p:cNvPr id="9" name="TextBox 8">
+            <a:extLst>
+              <a:ext uri="{FF2B5EF4-FFF2-40B4-BE49-F238E27FC236}">
+                <a16:creationId xmlns:a16="http://schemas.microsoft.com/office/drawing/2014/main" id="{9FB9066F-F7CF-47FA-F00B-2FC8DEB37699}"/>
+              </a:ext>
+            </a:extLst>
+          </p:cNvPr>
+          <p:cNvSpPr txBox="1"/>
+          <p:nvPr/>
+        </p:nvSpPr>
+        <p:spPr>
+          <a:xfrm>
+            <a:off x="12182640" y="22182545"/>
+            <a:ext cx="19468288" cy="3231654"/>
+          </a:xfrm>
+          <a:prstGeom prst="rect">
+            <a:avLst/>
+          </a:prstGeom>
+          <a:noFill/>
+        </p:spPr>
+        <p:txBody>
+          <a:bodyPr wrap="square" rtlCol="0">
+            <a:spAutoFit/>
+          </a:bodyPr>
+          <a:lstStyle/>
+          <a:p>
+            <a:r>
+              <a:rPr lang="en-US" b="1" dirty="0">
+                <a:latin typeface="Avenir Heavy" panose="02000503020000020003"/>
+              </a:rPr>
+              <a:t>Application</a:t>
+            </a:r>
+          </a:p>
+          <a:p>
+            <a:endParaRPr lang="en-US" dirty="0"/>
+          </a:p>
+          <a:p>
+            <a:r>
+              <a:rPr lang="en-US" sz="2800" dirty="0">
+                <a:latin typeface="Avenir Book" panose="02000503020000020003"/>
+              </a:rPr>
+              <a:t>The final product of this project was a desktop application designed to allow users to analyze their game in real-time. </a:t>
+            </a:r>
+            <a:r>
+              <a:rPr lang="en-US" sz="2800" i="1" dirty="0">
+                <a:latin typeface="Avenir Book" panose="02000503020000020003"/>
+              </a:rPr>
+              <a:t>RIOT Games</a:t>
+            </a:r>
+            <a:r>
+              <a:rPr lang="en-US" sz="2800" dirty="0">
+                <a:latin typeface="Avenir Book" panose="02000503020000020003"/>
+              </a:rPr>
+              <a:t> offers a “live client” API that provides live match data while a game is in progress. With a single click, users can start tracking their match through the application. However, this API provides data already available to the player. It does not provide information they do not already know, to avoid giving users any unfair advantage. Because of this limitation, the model starts after a three-minute delay. This prevents the system from falsely interpreting the lack of early game data as a massive advantage for the user’s side. After the</a:t>
+            </a:r>
+          </a:p>
+        </p:txBody>
+      </p:sp>
+      <p:sp>
+        <p:nvSpPr>
+          <p:cNvPr id="10" name="TextBox 9">
+            <a:extLst>
+              <a:ext uri="{FF2B5EF4-FFF2-40B4-BE49-F238E27FC236}">
+                <a16:creationId xmlns:a16="http://schemas.microsoft.com/office/drawing/2014/main" id="{22BA5761-43FA-7218-181D-1943657DC2FE}"/>
+              </a:ext>
+            </a:extLst>
+          </p:cNvPr>
+          <p:cNvSpPr txBox="1"/>
+          <p:nvPr/>
+        </p:nvSpPr>
+        <p:spPr>
+          <a:xfrm>
+            <a:off x="25147618" y="25294349"/>
+            <a:ext cx="6169207" cy="5262979"/>
+          </a:xfrm>
+          <a:prstGeom prst="rect">
+            <a:avLst/>
+          </a:prstGeom>
+          <a:noFill/>
+        </p:spPr>
+        <p:txBody>
+          <a:bodyPr wrap="square" rtlCol="0">
+            <a:spAutoFit/>
+          </a:bodyPr>
+          <a:lstStyle/>
+          <a:p>
+            <a:r>
+              <a:rPr lang="en-US" sz="2800" dirty="0">
+                <a:latin typeface="Avenir Book" panose="02000503020000020003"/>
+              </a:rPr>
+              <a:t>initial delay, the application fetches all necessary features and processes them using the trained model. The results are then visualized in a real-time graph. Players may find this helpful while playing League of Legends, as it is a complex game with many factors that are easy to overlook during gameplay.</a:t>
+            </a:r>
+          </a:p>
+          <a:p>
+            <a:endParaRPr lang="en-US" sz="2800" dirty="0">
+              <a:latin typeface="Avenir Book" panose="02000503020000020003"/>
+            </a:endParaRPr>
+          </a:p>
+          <a:p>
+            <a:r>
+              <a:rPr lang="en-US" sz="2800" dirty="0">
+                <a:latin typeface="Avenir Book" panose="02000503020000020003"/>
+              </a:rPr>
+              <a:t>The image to the left is an example of a graph from the user playing the “red side”</a:t>
+            </a:r>
+          </a:p>
+        </p:txBody>
+      </p:sp>
+      <p:sp>
+        <p:nvSpPr>
+          <p:cNvPr id="11" name="TextBox 10">
+            <a:extLst>
+              <a:ext uri="{FF2B5EF4-FFF2-40B4-BE49-F238E27FC236}">
+                <a16:creationId xmlns:a16="http://schemas.microsoft.com/office/drawing/2014/main" id="{B4FAA47F-6E08-F626-3C32-E1A9C2C3FAF1}"/>
+              </a:ext>
+            </a:extLst>
+          </p:cNvPr>
+          <p:cNvSpPr txBox="1"/>
+          <p:nvPr/>
+        </p:nvSpPr>
+        <p:spPr>
+          <a:xfrm>
+            <a:off x="33714299" y="23139777"/>
+            <a:ext cx="8240484" cy="4401205"/>
+          </a:xfrm>
+          <a:prstGeom prst="rect">
+            <a:avLst/>
+          </a:prstGeom>
+          <a:noFill/>
+        </p:spPr>
+        <p:txBody>
+          <a:bodyPr wrap="square" rtlCol="0">
+            <a:spAutoFit/>
+          </a:bodyPr>
+          <a:lstStyle/>
+          <a:p>
+            <a:r>
+              <a:rPr lang="en-US" sz="2800" dirty="0">
+                <a:latin typeface="Avenir Book" panose="02000503020000020003"/>
+              </a:rPr>
+              <a:t>This application could be most effective in an esports setting, where it could function as a spectator. This approach eliminates the point-of-view limitation. As a spectator, the model would have complete, unfiltered access to all in-game information, enabling it to provide the most accurate and comprehensive analysis.</a:t>
+            </a:r>
+            <a:br>
+              <a:rPr lang="en-US" sz="2800" dirty="0">
+                <a:latin typeface="Avenir Book" panose="02000503020000020003"/>
+              </a:rPr>
+            </a:br>
+            <a:br>
+              <a:rPr lang="en-US" sz="2800" dirty="0">
+                <a:latin typeface="Avenir Book" panose="02000503020000020003"/>
+              </a:rPr>
+            </a:br>
+            <a:r>
+              <a:rPr lang="en-US" sz="2800" dirty="0">
+                <a:latin typeface="Avenir Book" panose="02000503020000020003"/>
+              </a:rPr>
+              <a:t>In addition, adding more features would only increase the model’s strength such as gold difference at various points in the match.</a:t>
+            </a:r>
+          </a:p>
+        </p:txBody>
+      </p:sp>
+      <p:pic>
+        <p:nvPicPr>
+          <p:cNvPr id="14" name="Picture 13">
+            <a:extLst>
+              <a:ext uri="{FF2B5EF4-FFF2-40B4-BE49-F238E27FC236}">
+                <a16:creationId xmlns:a16="http://schemas.microsoft.com/office/drawing/2014/main" id="{09D11E37-119F-49D6-4EC9-779C21017A6C}"/>
+              </a:ext>
+            </a:extLst>
+          </p:cNvPr>
+          <p:cNvPicPr>
+            <a:picLocks noChangeAspect="1"/>
+          </p:cNvPicPr>
+          <p:nvPr/>
+        </p:nvPicPr>
+        <p:blipFill>
+          <a:blip r:embed="rId13"/>
+          <a:stretch>
+            <a:fillRect/>
+          </a:stretch>
+        </p:blipFill>
+        <p:spPr>
+          <a:xfrm flipV="1">
+            <a:off x="25007439" y="30539938"/>
+            <a:ext cx="6738380" cy="263254"/>
+          </a:xfrm>
+          <a:prstGeom prst="rect">
+            <a:avLst/>
+          </a:prstGeom>
+        </p:spPr>
+      </p:pic>
+      <p:pic>
+        <p:nvPicPr>
+          <p:cNvPr id="16" name="Picture 15">
+            <a:extLst>
+              <a:ext uri="{FF2B5EF4-FFF2-40B4-BE49-F238E27FC236}">
+                <a16:creationId xmlns:a16="http://schemas.microsoft.com/office/drawing/2014/main" id="{DD723EFF-CF92-F790-1B45-4F32A347FE19}"/>
+              </a:ext>
+            </a:extLst>
+          </p:cNvPr>
+          <p:cNvPicPr>
+            <a:picLocks noChangeAspect="1"/>
+          </p:cNvPicPr>
+          <p:nvPr/>
+        </p:nvPicPr>
+        <p:blipFill>
+          <a:blip r:embed="rId14"/>
+          <a:stretch>
+            <a:fillRect/>
+          </a:stretch>
+        </p:blipFill>
+        <p:spPr>
+          <a:xfrm>
+            <a:off x="25007439" y="30996440"/>
+            <a:ext cx="6738381" cy="220629"/>
+          </a:xfrm>
+          <a:prstGeom prst="rect">
+            <a:avLst/>
+          </a:prstGeom>
+        </p:spPr>
+      </p:pic>
+      <p:pic>
+        <p:nvPicPr>
+          <p:cNvPr id="18" name="Picture 17">
+            <a:extLst>
+              <a:ext uri="{FF2B5EF4-FFF2-40B4-BE49-F238E27FC236}">
+                <a16:creationId xmlns:a16="http://schemas.microsoft.com/office/drawing/2014/main" id="{00098729-9513-39BE-AFBC-6157D549D99F}"/>
+              </a:ext>
+            </a:extLst>
+          </p:cNvPr>
+          <p:cNvPicPr>
+            <a:picLocks noChangeAspect="1"/>
+          </p:cNvPicPr>
+          <p:nvPr/>
+        </p:nvPicPr>
+        <p:blipFill>
+          <a:blip r:embed="rId15"/>
+          <a:stretch>
+            <a:fillRect/>
+          </a:stretch>
+        </p:blipFill>
+        <p:spPr>
+          <a:xfrm>
+            <a:off x="25007439" y="31406015"/>
+            <a:ext cx="6738380" cy="233463"/>
+          </a:xfrm>
+          <a:prstGeom prst="rect">
+            <a:avLst/>
+          </a:prstGeom>
+        </p:spPr>
+      </p:pic>
+      <p:sp>
+        <p:nvSpPr>
+          <p:cNvPr id="19" name="TextBox 18">
+            <a:extLst>
+              <a:ext uri="{FF2B5EF4-FFF2-40B4-BE49-F238E27FC236}">
+                <a16:creationId xmlns:a16="http://schemas.microsoft.com/office/drawing/2014/main" id="{9EDE5AA5-9CAE-CBCA-3C3E-F6CA10DFD852}"/>
+              </a:ext>
+            </a:extLst>
+          </p:cNvPr>
+          <p:cNvSpPr txBox="1"/>
+          <p:nvPr/>
+        </p:nvSpPr>
+        <p:spPr>
+          <a:xfrm>
+            <a:off x="33756601" y="6419052"/>
+            <a:ext cx="7667625" cy="8710077"/>
+          </a:xfrm>
+          <a:prstGeom prst="rect">
+            <a:avLst/>
+          </a:prstGeom>
+          <a:noFill/>
+        </p:spPr>
+        <p:txBody>
+          <a:bodyPr wrap="square" rtlCol="0">
+            <a:spAutoFit/>
+          </a:bodyPr>
+          <a:lstStyle/>
+          <a:p>
+            <a:r>
+              <a:rPr lang="en-US" sz="2800" dirty="0">
+                <a:latin typeface="Avenir Book" panose="02000503020000020003"/>
+              </a:rPr>
+              <a:t>For this project, several software components were used to bring everything together. Beginning with </a:t>
+            </a:r>
+            <a:r>
+              <a:rPr lang="en-US" sz="2800" i="1" dirty="0" err="1">
+                <a:latin typeface="Avenir Book" panose="02000503020000020003"/>
+              </a:rPr>
+              <a:t>Jupyter</a:t>
+            </a:r>
+            <a:r>
+              <a:rPr lang="en-US" sz="2800" i="1" dirty="0">
+                <a:latin typeface="Avenir Book" panose="02000503020000020003"/>
+              </a:rPr>
+              <a:t> notebooks </a:t>
+            </a:r>
+            <a:r>
+              <a:rPr lang="en-US" sz="2800" dirty="0">
+                <a:latin typeface="Avenir Book" panose="02000503020000020003"/>
+              </a:rPr>
+              <a:t>to fetch and store the data from the </a:t>
+            </a:r>
+            <a:r>
+              <a:rPr lang="en-US" sz="2800" i="1" dirty="0">
+                <a:latin typeface="Avenir Book" panose="02000503020000020003"/>
+              </a:rPr>
+              <a:t>RIOT API</a:t>
+            </a:r>
+            <a:r>
+              <a:rPr lang="en-US" sz="2800" dirty="0">
+                <a:latin typeface="Avenir Book" panose="02000503020000020003"/>
+              </a:rPr>
+              <a:t>. For training and testing the random forest machine learning model </a:t>
+            </a:r>
+            <a:r>
+              <a:rPr lang="en-US" sz="2800" i="1" dirty="0" err="1">
+                <a:latin typeface="Avenir Book" panose="02000503020000020003"/>
+              </a:rPr>
+              <a:t>sciket</a:t>
+            </a:r>
+            <a:r>
+              <a:rPr lang="en-US" sz="2800" i="1" dirty="0">
+                <a:latin typeface="Avenir Book" panose="02000503020000020003"/>
+              </a:rPr>
+              <a:t>-learn</a:t>
+            </a:r>
+            <a:r>
+              <a:rPr lang="en-US" sz="2800" dirty="0">
+                <a:latin typeface="Avenir Book" panose="02000503020000020003"/>
+              </a:rPr>
+              <a:t> python library was utilized. </a:t>
+            </a:r>
+          </a:p>
+          <a:p>
+            <a:pPr>
+              <a:buNone/>
+            </a:pPr>
+            <a:br>
+              <a:rPr lang="en-US" sz="2800" dirty="0">
+                <a:latin typeface="Avenir Book" panose="02000503020000020003"/>
+              </a:rPr>
+            </a:br>
+            <a:r>
+              <a:rPr lang="en-US" sz="2800" dirty="0">
+                <a:latin typeface="Avenir Book" panose="02000503020000020003"/>
+              </a:rPr>
+              <a:t>Once the model was trained and the data thoroughly analyzed, the desktop application was developed using </a:t>
+            </a:r>
+            <a:r>
+              <a:rPr lang="en-US" sz="2800" b="1" dirty="0">
+                <a:latin typeface="Avenir Book" panose="02000503020000020003"/>
+              </a:rPr>
+              <a:t>Electron</a:t>
+            </a:r>
+            <a:r>
+              <a:rPr lang="en-US" sz="2800" dirty="0">
+                <a:latin typeface="Avenir Book" panose="02000503020000020003"/>
+              </a:rPr>
+              <a:t>, a popular framework for building cross-platform desktop apps with web technologies like JavaScript, HTML, and CSS. On top of that, </a:t>
+            </a:r>
+            <a:r>
+              <a:rPr lang="en-US" sz="2800" b="1" dirty="0">
+                <a:latin typeface="Avenir Book" panose="02000503020000020003"/>
+              </a:rPr>
+              <a:t>Angular</a:t>
+            </a:r>
+            <a:r>
+              <a:rPr lang="en-US" sz="2800" dirty="0">
+                <a:latin typeface="Avenir Book" panose="02000503020000020003"/>
+              </a:rPr>
+              <a:t> was used to structure and build the front-end interface.</a:t>
+            </a:r>
+          </a:p>
+          <a:p>
+            <a:pPr>
+              <a:buNone/>
+            </a:pPr>
+            <a:endParaRPr lang="en-US" sz="2800" dirty="0">
+              <a:latin typeface="Avenir Book" panose="02000503020000020003"/>
+            </a:endParaRPr>
+          </a:p>
+          <a:p>
+            <a:r>
+              <a:rPr lang="en-US" sz="2800" dirty="0">
+                <a:latin typeface="Avenir Book" panose="02000503020000020003"/>
+              </a:rPr>
+              <a:t>The desktop app communicates with a </a:t>
+            </a:r>
+            <a:r>
+              <a:rPr lang="en-US" sz="2800" b="1" dirty="0">
+                <a:latin typeface="Avenir Book" panose="02000503020000020003"/>
+              </a:rPr>
+              <a:t>Flask</a:t>
+            </a:r>
+            <a:r>
+              <a:rPr lang="en-US" sz="2800" dirty="0">
+                <a:latin typeface="Avenir Book" panose="02000503020000020003"/>
+              </a:rPr>
+              <a:t>-based Python API. This API exposes a single endpoint that accepts the required features and returns a prediction from the trained model.</a:t>
+            </a:r>
+          </a:p>
+          <a:p>
+            <a:endParaRPr lang="en-US" sz="2800" dirty="0">
+              <a:latin typeface="Avenir Book" panose="02000503020000020003"/>
+            </a:endParaRPr>
+          </a:p>
+        </p:txBody>
+      </p:sp>
+      <p:pic>
+        <p:nvPicPr>
+          <p:cNvPr id="25" name="Picture 24">
+            <a:extLst>
+              <a:ext uri="{FF2B5EF4-FFF2-40B4-BE49-F238E27FC236}">
+                <a16:creationId xmlns:a16="http://schemas.microsoft.com/office/drawing/2014/main" id="{1C237DAD-152C-4CA2-7367-9F670FA42970}"/>
+              </a:ext>
+            </a:extLst>
+          </p:cNvPr>
+          <p:cNvPicPr>
+            <a:picLocks noChangeAspect="1"/>
+          </p:cNvPicPr>
+          <p:nvPr/>
+        </p:nvPicPr>
+        <p:blipFill>
+          <a:blip r:embed="rId16"/>
+          <a:stretch>
+            <a:fillRect/>
+          </a:stretch>
+        </p:blipFill>
+        <p:spPr>
+          <a:xfrm>
+            <a:off x="33143385" y="14225110"/>
+            <a:ext cx="8668417" cy="6938194"/>
+          </a:xfrm>
+          <a:prstGeom prst="rect">
+            <a:avLst/>
+          </a:prstGeom>
+        </p:spPr>
+      </p:pic>
+      <p:pic>
+        <p:nvPicPr>
+          <p:cNvPr id="27" name="Picture 26">
+            <a:extLst>
+              <a:ext uri="{FF2B5EF4-FFF2-40B4-BE49-F238E27FC236}">
+                <a16:creationId xmlns:a16="http://schemas.microsoft.com/office/drawing/2014/main" id="{DC4EBEB5-709E-AF9C-C118-7CD07ECE57EE}"/>
+              </a:ext>
+            </a:extLst>
+          </p:cNvPr>
+          <p:cNvPicPr>
+            <a:picLocks noChangeAspect="1"/>
+          </p:cNvPicPr>
+          <p:nvPr/>
+        </p:nvPicPr>
+        <p:blipFill>
+          <a:blip r:embed="rId17"/>
+          <a:stretch>
+            <a:fillRect/>
+          </a:stretch>
+        </p:blipFill>
+        <p:spPr>
+          <a:xfrm>
+            <a:off x="12186977" y="25481772"/>
+            <a:ext cx="12706516" cy="6410267"/>
+          </a:xfrm>
+          <a:prstGeom prst="rect">
+            <a:avLst/>
+          </a:prstGeom>
+        </p:spPr>
+      </p:pic>
     </p:spTree>
   </p:cSld>
   <p:clrMapOvr>
